--- a/Labs/CS418-Lab1-2019.pptx
+++ b/Labs/CS418-Lab1-2019.pptx
@@ -243,7 +243,7 @@
           <a:p>
             <a:fld id="{564DAAA6-4117-4992-859F-BAA0EB4FC72C}" type="datetimeFigureOut">
               <a:rPr lang="en-US" smtClean="0"/>
-              <a:t>1/23/2019</a:t>
+              <a:t>9/7/2019</a:t>
             </a:fld>
             <a:endParaRPr lang="en-US"/>
           </a:p>
@@ -1104,7 +1104,7 @@
           <a:p>
             <a:fld id="{CF64A208-0694-964E-93B1-EAF2C4DF2BAD}" type="datetimeFigureOut">
               <a:rPr lang="en-US" smtClean="0"/>
-              <a:t>1/23/2019</a:t>
+              <a:t>9/7/2019</a:t>
             </a:fld>
             <a:endParaRPr lang="en-US"/>
           </a:p>
@@ -1311,7 +1311,7 @@
             <a:fld id="{CF64A208-0694-964E-93B1-EAF2C4DF2BAD}" type="datetimeFigureOut">
               <a:rPr lang="en-US" smtClean="0"/>
               <a:pPr/>
-              <a:t>1/23/2019</a:t>
+              <a:t>9/7/2019</a:t>
             </a:fld>
             <a:endParaRPr lang="en-US" dirty="0"/>
           </a:p>
@@ -1541,7 +1541,7 @@
             <a:fld id="{CF64A208-0694-964E-93B1-EAF2C4DF2BAD}" type="datetimeFigureOut">
               <a:rPr lang="en-US" smtClean="0"/>
               <a:pPr/>
-              <a:t>1/23/2019</a:t>
+              <a:t>9/7/2019</a:t>
             </a:fld>
             <a:endParaRPr lang="en-US" dirty="0"/>
           </a:p>
@@ -1754,7 +1754,7 @@
           <a:p>
             <a:fld id="{CF64A208-0694-964E-93B1-EAF2C4DF2BAD}" type="datetimeFigureOut">
               <a:rPr lang="en-US" smtClean="0"/>
-              <a:t>1/23/2019</a:t>
+              <a:t>9/7/2019</a:t>
             </a:fld>
             <a:endParaRPr lang="en-US"/>
           </a:p>
@@ -2009,7 +2009,7 @@
             <a:fld id="{CF64A208-0694-964E-93B1-EAF2C4DF2BAD}" type="datetimeFigureOut">
               <a:rPr lang="en-US" smtClean="0"/>
               <a:pPr/>
-              <a:t>1/23/2019</a:t>
+              <a:t>9/7/2019</a:t>
             </a:fld>
             <a:endParaRPr lang="en-US" dirty="0"/>
           </a:p>
@@ -2309,7 +2309,7 @@
           <a:p>
             <a:fld id="{CF64A208-0694-964E-93B1-EAF2C4DF2BAD}" type="datetimeFigureOut">
               <a:rPr lang="en-US" smtClean="0"/>
-              <a:t>1/23/2019</a:t>
+              <a:t>9/7/2019</a:t>
             </a:fld>
             <a:endParaRPr lang="en-US"/>
           </a:p>
@@ -2742,7 +2742,7 @@
             <a:fld id="{CF64A208-0694-964E-93B1-EAF2C4DF2BAD}" type="datetimeFigureOut">
               <a:rPr lang="en-US" smtClean="0"/>
               <a:pPr/>
-              <a:t>1/23/2019</a:t>
+              <a:t>9/7/2019</a:t>
             </a:fld>
             <a:endParaRPr lang="en-US" dirty="0"/>
           </a:p>
@@ -2885,7 +2885,7 @@
             <a:fld id="{CF64A208-0694-964E-93B1-EAF2C4DF2BAD}" type="datetimeFigureOut">
               <a:rPr lang="en-US" smtClean="0"/>
               <a:pPr/>
-              <a:t>1/23/2019</a:t>
+              <a:t>9/7/2019</a:t>
             </a:fld>
             <a:endParaRPr lang="en-US" dirty="0"/>
           </a:p>
@@ -3000,7 +3000,7 @@
             <a:fld id="{CF64A208-0694-964E-93B1-EAF2C4DF2BAD}" type="datetimeFigureOut">
               <a:rPr lang="en-US" smtClean="0"/>
               <a:pPr/>
-              <a:t>1/23/2019</a:t>
+              <a:t>9/7/2019</a:t>
             </a:fld>
             <a:endParaRPr lang="en-US" dirty="0"/>
           </a:p>
@@ -3309,7 +3309,7 @@
             <a:fld id="{CF64A208-0694-964E-93B1-EAF2C4DF2BAD}" type="datetimeFigureOut">
               <a:rPr lang="en-US" smtClean="0"/>
               <a:pPr/>
-              <a:t>1/23/2019</a:t>
+              <a:t>9/7/2019</a:t>
             </a:fld>
             <a:endParaRPr lang="en-US" dirty="0"/>
           </a:p>
@@ -3590,7 +3590,7 @@
             <a:fld id="{CF64A208-0694-964E-93B1-EAF2C4DF2BAD}" type="datetimeFigureOut">
               <a:rPr lang="en-US" smtClean="0"/>
               <a:pPr/>
-              <a:t>1/23/2019</a:t>
+              <a:t>9/7/2019</a:t>
             </a:fld>
             <a:endParaRPr lang="en-US" dirty="0"/>
           </a:p>
@@ -3814,7 +3814,7 @@
           <a:p>
             <a:fld id="{CF64A208-0694-964E-93B1-EAF2C4DF2BAD}" type="datetimeFigureOut">
               <a:rPr lang="en-US" smtClean="0"/>
-              <a:t>1/23/2019</a:t>
+              <a:t>9/7/2019</a:t>
             </a:fld>
             <a:endParaRPr lang="en-US"/>
           </a:p>
@@ -10305,7 +10305,7 @@
             </a:br>
             <a:r>
               <a:rPr lang="en-US" sz="1800" dirty="0"/>
-              <a:t>We’ll use this to move the deformation around the boundary boundary….</a:t>
+              <a:t>We’ll use this to move the deformation around the boundary….</a:t>
             </a:r>
           </a:p>
           <a:p>
@@ -10614,7 +10614,9 @@
           </a:xfrm>
         </p:spPr>
         <p:txBody>
-          <a:bodyPr/>
+          <a:bodyPr>
+            <a:normAutofit lnSpcReduction="10000"/>
+          </a:bodyPr>
           <a:lstStyle/>
           <a:p>
             <a:pPr marL="0" indent="0">
@@ -10673,17 +10675,58 @@
             </a:br>
             <a:r>
               <a:rPr lang="en-US" dirty="0"/>
-              <a:t>Use it to adjust the positions of the boundary vertices</a:t>
-            </a:r>
-          </a:p>
-          <a:p>
-            <a:pPr marL="514350" indent="-514350">
-              <a:buFont typeface="+mj-lt"/>
-              <a:buAutoNum type="arabicPeriod"/>
-            </a:pPr>
-            <a:r>
-              <a:rPr lang="en-US" dirty="0"/>
-              <a:t>What needs to be added to the </a:t>
+              <a:t>Use it to adjust the positions of the boundary vertices:</a:t>
+            </a:r>
+            <a:br>
+              <a:rPr lang="en-US" dirty="0"/>
+            </a:br>
+            <a:br>
+              <a:rPr lang="en-US" dirty="0"/>
+            </a:br>
+            <a:r>
+              <a:rPr lang="en-US" sz="2400" dirty="0"/>
+              <a:t>…add the returned x value from </a:t>
+            </a:r>
+            <a:r>
+              <a:rPr lang="en-US" sz="2400" dirty="0" err="1"/>
+              <a:t>deformSin</a:t>
+            </a:r>
+            <a:r>
+              <a:rPr lang="en-US" sz="2400" dirty="0"/>
+              <a:t> to the x coordinate of the vertex</a:t>
+            </a:r>
+            <a:br>
+              <a:rPr lang="en-US" sz="2400" dirty="0"/>
+            </a:br>
+            <a:br>
+              <a:rPr lang="en-US" sz="2400" dirty="0"/>
+            </a:br>
+            <a:r>
+              <a:rPr lang="en-US" sz="2400" dirty="0"/>
+              <a:t>…add the returned y value from </a:t>
+            </a:r>
+            <a:r>
+              <a:rPr lang="en-US" sz="2400" dirty="0" err="1"/>
+              <a:t>deformSin</a:t>
+            </a:r>
+            <a:r>
+              <a:rPr lang="en-US" sz="2400" dirty="0"/>
+              <a:t> to the y coordinate of the vertex</a:t>
+            </a:r>
+          </a:p>
+          <a:p>
+            <a:pPr marL="0" indent="0">
+              <a:buNone/>
+            </a:pPr>
+            <a:endParaRPr lang="en-US" dirty="0"/>
+          </a:p>
+          <a:p>
+            <a:pPr marL="0" indent="0">
+              <a:buNone/>
+            </a:pPr>
+            <a:r>
+              <a:rPr lang="en-US" dirty="0"/>
+              <a:t>3. What needs to be added to the </a:t>
             </a:r>
             <a:r>
               <a:rPr lang="en-US" b="1" dirty="0"/>
